--- a/templates/PhysiCell_ws_intro_template.pptx
+++ b/templates/PhysiCell_ws_intro_template.pptx
@@ -270,7 +270,7 @@
               <a:pPr>
                 <a:defRPr/>
               </a:pPr>
-              <a:t>7/10/23</a:t>
+              <a:t>7/31/23</a:t>
             </a:fld>
             <a:endParaRPr lang="en-US" dirty="0"/>
           </a:p>
@@ -3379,7 +3379,7 @@
               </a14:hiddenLine>
             </a:ext>
             <a:ext uri="{FAA26D3D-D897-4be2-8F04-BA451C77F1D7}">
-              <ma14:placeholderFlag xmlns:ma14="http://schemas.microsoft.com/office/mac/drawingml/2011/main" xmlns="" val="1"/>
+              <ma14:placeholderFlag xmlns="" xmlns:ma14="http://schemas.microsoft.com/office/mac/drawingml/2011/main" val="1"/>
             </a:ext>
           </a:extLst>
         </p:spPr>
@@ -4075,7 +4075,13 @@
             <p:ph sz="half" idx="2"/>
           </p:nvPr>
         </p:nvSpPr>
-        <p:spPr/>
+        <p:spPr>
+          <a:ln>
+            <a:solidFill>
+              <a:schemeClr val="tx1"/>
+            </a:solidFill>
+          </a:ln>
+        </p:spPr>
         <p:txBody>
           <a:bodyPr>
             <a:normAutofit/>
@@ -4086,6 +4092,241 @@
               <a:rPr lang="en-US" dirty="0"/>
               <a:t>Add a cool picture or animated GIF of your research here. </a:t>
             </a:r>
+          </a:p>
+        </p:txBody>
+      </p:sp>
+      <p:sp>
+        <p:nvSpPr>
+          <p:cNvPr id="3" name="Content Placeholder 5">
+            <a:extLst>
+              <a:ext uri="{FF2B5EF4-FFF2-40B4-BE49-F238E27FC236}">
+                <a16:creationId xmlns:a16="http://schemas.microsoft.com/office/drawing/2014/main" id="{C12A760F-7C3D-C6B7-A313-B56AC650E70F}"/>
+              </a:ext>
+            </a:extLst>
+          </p:cNvPr>
+          <p:cNvSpPr txBox="1">
+            <a:spLocks noChangeAspect="1"/>
+          </p:cNvSpPr>
+          <p:nvPr/>
+        </p:nvSpPr>
+        <p:spPr>
+          <a:xfrm>
+            <a:off x="4114800" y="2160351"/>
+            <a:ext cx="1371600" cy="1714500"/>
+          </a:xfrm>
+          <a:prstGeom prst="rect">
+            <a:avLst/>
+          </a:prstGeom>
+          <a:ln>
+            <a:solidFill>
+              <a:schemeClr val="tx1"/>
+            </a:solidFill>
+          </a:ln>
+        </p:spPr>
+        <p:txBody>
+          <a:bodyPr vert="horz" lIns="182880" tIns="45720" rIns="182880" bIns="45720" rtlCol="0" anchor="ctr">
+            <a:normAutofit/>
+          </a:bodyPr>
+          <a:lstStyle>
+            <a:lvl1pPr marL="173038" indent="-173038" algn="l" defTabSz="685800" rtl="0" eaLnBrk="1" fontAlgn="base" hangingPunct="1">
+              <a:lnSpc>
+                <a:spcPct val="100000"/>
+              </a:lnSpc>
+              <a:spcBef>
+                <a:spcPts val="750"/>
+              </a:spcBef>
+              <a:spcAft>
+                <a:spcPct val="0"/>
+              </a:spcAft>
+              <a:buFont typeface="Arial" charset="0"/>
+              <a:buChar char="•"/>
+              <a:defRPr sz="2100" kern="1200">
+                <a:solidFill>
+                  <a:schemeClr val="tx1"/>
+                </a:solidFill>
+                <a:latin typeface="+mn-lt"/>
+                <a:ea typeface="+mn-ea"/>
+                <a:cs typeface="+mn-cs"/>
+              </a:defRPr>
+            </a:lvl1pPr>
+            <a:lvl2pPr marL="346075" indent="-174625" algn="l" defTabSz="685800" rtl="0" eaLnBrk="1" fontAlgn="base" hangingPunct="1">
+              <a:lnSpc>
+                <a:spcPct val="100000"/>
+              </a:lnSpc>
+              <a:spcBef>
+                <a:spcPts val="375"/>
+              </a:spcBef>
+              <a:spcAft>
+                <a:spcPct val="0"/>
+              </a:spcAft>
+              <a:buFont typeface="Wingdings" panose="05000000000000000000" pitchFamily="2" charset="2"/>
+              <a:buChar char="§"/>
+              <a:defRPr kern="1200">
+                <a:solidFill>
+                  <a:schemeClr val="tx1"/>
+                </a:solidFill>
+                <a:latin typeface="+mn-lt"/>
+                <a:ea typeface="+mn-ea"/>
+                <a:cs typeface="+mn-cs"/>
+              </a:defRPr>
+            </a:lvl2pPr>
+            <a:lvl3pPr marL="512763" indent="-166688" algn="l" defTabSz="685800" rtl="0" eaLnBrk="1" fontAlgn="base" hangingPunct="1">
+              <a:lnSpc>
+                <a:spcPct val="100000"/>
+              </a:lnSpc>
+              <a:spcBef>
+                <a:spcPts val="375"/>
+              </a:spcBef>
+              <a:spcAft>
+                <a:spcPct val="0"/>
+              </a:spcAft>
+              <a:buFont typeface="Arial" panose="020B0604020202020204" pitchFamily="34" charset="0"/>
+              <a:buChar char="♦"/>
+              <a:tabLst/>
+              <a:defRPr sz="1500" kern="1200">
+                <a:solidFill>
+                  <a:schemeClr val="tx1"/>
+                </a:solidFill>
+                <a:latin typeface="+mn-lt"/>
+                <a:ea typeface="+mn-ea"/>
+                <a:cs typeface="+mn-cs"/>
+              </a:defRPr>
+            </a:lvl3pPr>
+            <a:lvl4pPr marL="685800" indent="-173038" algn="l" defTabSz="685800" rtl="0" eaLnBrk="1" fontAlgn="base" hangingPunct="1">
+              <a:lnSpc>
+                <a:spcPct val="100000"/>
+              </a:lnSpc>
+              <a:spcBef>
+                <a:spcPts val="375"/>
+              </a:spcBef>
+              <a:spcAft>
+                <a:spcPct val="0"/>
+              </a:spcAft>
+              <a:buFont typeface="Arial" panose="020B0604020202020204" pitchFamily="34" charset="0"/>
+              <a:buChar char="»"/>
+              <a:tabLst/>
+              <a:defRPr sz="1300" kern="1200">
+                <a:solidFill>
+                  <a:schemeClr val="tx1"/>
+                </a:solidFill>
+                <a:latin typeface="+mn-lt"/>
+                <a:ea typeface="+mn-ea"/>
+                <a:cs typeface="+mn-cs"/>
+              </a:defRPr>
+            </a:lvl4pPr>
+            <a:lvl5pPr marL="858838" indent="-173038" algn="l" defTabSz="685800" rtl="0" eaLnBrk="1" fontAlgn="base" hangingPunct="1">
+              <a:lnSpc>
+                <a:spcPct val="90000"/>
+              </a:lnSpc>
+              <a:spcBef>
+                <a:spcPts val="375"/>
+              </a:spcBef>
+              <a:spcAft>
+                <a:spcPct val="0"/>
+              </a:spcAft>
+              <a:buFont typeface="Arial" panose="020B0604020202020204" pitchFamily="34" charset="0"/>
+              <a:buChar char="○"/>
+              <a:defRPr sz="1300" kern="1200">
+                <a:solidFill>
+                  <a:schemeClr val="tx1"/>
+                </a:solidFill>
+                <a:latin typeface="+mn-lt"/>
+                <a:ea typeface="+mn-ea"/>
+                <a:cs typeface="+mn-cs"/>
+              </a:defRPr>
+            </a:lvl5pPr>
+            <a:lvl6pPr marL="1885950" indent="-171450" algn="l" defTabSz="685800" rtl="0" eaLnBrk="1" latinLnBrk="0" hangingPunct="1">
+              <a:lnSpc>
+                <a:spcPct val="90000"/>
+              </a:lnSpc>
+              <a:spcBef>
+                <a:spcPts val="375"/>
+              </a:spcBef>
+              <a:buFont typeface="Arial" panose="020B0604020202020204" pitchFamily="34" charset="0"/>
+              <a:buChar char="•"/>
+              <a:defRPr sz="1350" kern="1200">
+                <a:solidFill>
+                  <a:schemeClr val="tx1"/>
+                </a:solidFill>
+                <a:latin typeface="+mn-lt"/>
+                <a:ea typeface="+mn-ea"/>
+                <a:cs typeface="+mn-cs"/>
+              </a:defRPr>
+            </a:lvl6pPr>
+            <a:lvl7pPr marL="2228850" indent="-171450" algn="l" defTabSz="685800" rtl="0" eaLnBrk="1" latinLnBrk="0" hangingPunct="1">
+              <a:lnSpc>
+                <a:spcPct val="90000"/>
+              </a:lnSpc>
+              <a:spcBef>
+                <a:spcPts val="375"/>
+              </a:spcBef>
+              <a:buFont typeface="Arial" panose="020B0604020202020204" pitchFamily="34" charset="0"/>
+              <a:buChar char="•"/>
+              <a:defRPr sz="1350" kern="1200">
+                <a:solidFill>
+                  <a:schemeClr val="tx1"/>
+                </a:solidFill>
+                <a:latin typeface="+mn-lt"/>
+                <a:ea typeface="+mn-ea"/>
+                <a:cs typeface="+mn-cs"/>
+              </a:defRPr>
+            </a:lvl7pPr>
+            <a:lvl8pPr marL="2571750" indent="-171450" algn="l" defTabSz="685800" rtl="0" eaLnBrk="1" latinLnBrk="0" hangingPunct="1">
+              <a:lnSpc>
+                <a:spcPct val="90000"/>
+              </a:lnSpc>
+              <a:spcBef>
+                <a:spcPts val="375"/>
+              </a:spcBef>
+              <a:buFont typeface="Arial" panose="020B0604020202020204" pitchFamily="34" charset="0"/>
+              <a:buChar char="•"/>
+              <a:defRPr sz="1350" kern="1200">
+                <a:solidFill>
+                  <a:schemeClr val="tx1"/>
+                </a:solidFill>
+                <a:latin typeface="+mn-lt"/>
+                <a:ea typeface="+mn-ea"/>
+                <a:cs typeface="+mn-cs"/>
+              </a:defRPr>
+            </a:lvl8pPr>
+            <a:lvl9pPr marL="2914650" indent="-171450" algn="l" defTabSz="685800" rtl="0" eaLnBrk="1" latinLnBrk="0" hangingPunct="1">
+              <a:lnSpc>
+                <a:spcPct val="90000"/>
+              </a:lnSpc>
+              <a:spcBef>
+                <a:spcPts val="375"/>
+              </a:spcBef>
+              <a:buFont typeface="Arial" panose="020B0604020202020204" pitchFamily="34" charset="0"/>
+              <a:buChar char="•"/>
+              <a:defRPr sz="1350" kern="1200">
+                <a:solidFill>
+                  <a:schemeClr val="tx1"/>
+                </a:solidFill>
+                <a:latin typeface="+mn-lt"/>
+                <a:ea typeface="+mn-ea"/>
+                <a:cs typeface="+mn-cs"/>
+              </a:defRPr>
+            </a:lvl9pPr>
+          </a:lstStyle>
+          <a:p>
+            <a:pPr marL="0" indent="0" algn="ctr">
+              <a:buNone/>
+            </a:pPr>
+            <a:r>
+              <a:rPr lang="en-US" b="1" dirty="0"/>
+              <a:t>Your picture here</a:t>
+            </a:r>
+            <a:endParaRPr lang="en-US" sz="1600" b="1" dirty="0"/>
+          </a:p>
+          <a:p>
+            <a:pPr marL="0" indent="0" algn="ctr">
+              <a:buNone/>
+            </a:pPr>
+            <a:r>
+              <a:rPr lang="en-US" sz="1600" b="1" dirty="0"/>
+              <a:t>(optional)</a:t>
+            </a:r>
+            <a:endParaRPr lang="en-US" b="1" dirty="0"/>
           </a:p>
         </p:txBody>
       </p:sp>
@@ -4505,6 +4746,271 @@
             <a:off x="5486400" y="1234281"/>
             <a:ext cx="3657600" cy="2743200"/>
           </a:xfrm>
+        </p:spPr>
+      </p:pic>
+      <p:sp>
+        <p:nvSpPr>
+          <p:cNvPr id="3" name="Content Placeholder 5">
+            <a:extLst>
+              <a:ext uri="{FF2B5EF4-FFF2-40B4-BE49-F238E27FC236}">
+                <a16:creationId xmlns:a16="http://schemas.microsoft.com/office/drawing/2014/main" id="{D7FD3F2B-F6D4-5783-8CBA-5E08DDE37C00}"/>
+              </a:ext>
+            </a:extLst>
+          </p:cNvPr>
+          <p:cNvSpPr txBox="1">
+            <a:spLocks noChangeAspect="1"/>
+          </p:cNvSpPr>
+          <p:nvPr/>
+        </p:nvSpPr>
+        <p:spPr>
+          <a:xfrm>
+            <a:off x="4114800" y="2160351"/>
+            <a:ext cx="1371600" cy="1714500"/>
+          </a:xfrm>
+          <a:prstGeom prst="rect">
+            <a:avLst/>
+          </a:prstGeom>
+          <a:ln>
+            <a:solidFill>
+              <a:schemeClr val="tx1"/>
+            </a:solidFill>
+          </a:ln>
+        </p:spPr>
+        <p:txBody>
+          <a:bodyPr vert="horz" lIns="182880" tIns="45720" rIns="182880" bIns="45720" rtlCol="0" anchor="ctr">
+            <a:normAutofit/>
+          </a:bodyPr>
+          <a:lstStyle>
+            <a:lvl1pPr marL="173038" indent="-173038" algn="l" defTabSz="685800" rtl="0" eaLnBrk="1" fontAlgn="base" hangingPunct="1">
+              <a:lnSpc>
+                <a:spcPct val="100000"/>
+              </a:lnSpc>
+              <a:spcBef>
+                <a:spcPts val="750"/>
+              </a:spcBef>
+              <a:spcAft>
+                <a:spcPct val="0"/>
+              </a:spcAft>
+              <a:buFont typeface="Arial" charset="0"/>
+              <a:buChar char="•"/>
+              <a:defRPr sz="2100" kern="1200">
+                <a:solidFill>
+                  <a:schemeClr val="tx1"/>
+                </a:solidFill>
+                <a:latin typeface="+mn-lt"/>
+                <a:ea typeface="+mn-ea"/>
+                <a:cs typeface="+mn-cs"/>
+              </a:defRPr>
+            </a:lvl1pPr>
+            <a:lvl2pPr marL="346075" indent="-174625" algn="l" defTabSz="685800" rtl="0" eaLnBrk="1" fontAlgn="base" hangingPunct="1">
+              <a:lnSpc>
+                <a:spcPct val="100000"/>
+              </a:lnSpc>
+              <a:spcBef>
+                <a:spcPts val="375"/>
+              </a:spcBef>
+              <a:spcAft>
+                <a:spcPct val="0"/>
+              </a:spcAft>
+              <a:buFont typeface="Wingdings" panose="05000000000000000000" pitchFamily="2" charset="2"/>
+              <a:buChar char="§"/>
+              <a:defRPr kern="1200">
+                <a:solidFill>
+                  <a:schemeClr val="tx1"/>
+                </a:solidFill>
+                <a:latin typeface="+mn-lt"/>
+                <a:ea typeface="+mn-ea"/>
+                <a:cs typeface="+mn-cs"/>
+              </a:defRPr>
+            </a:lvl2pPr>
+            <a:lvl3pPr marL="512763" indent="-166688" algn="l" defTabSz="685800" rtl="0" eaLnBrk="1" fontAlgn="base" hangingPunct="1">
+              <a:lnSpc>
+                <a:spcPct val="100000"/>
+              </a:lnSpc>
+              <a:spcBef>
+                <a:spcPts val="375"/>
+              </a:spcBef>
+              <a:spcAft>
+                <a:spcPct val="0"/>
+              </a:spcAft>
+              <a:buFont typeface="Arial" panose="020B0604020202020204" pitchFamily="34" charset="0"/>
+              <a:buChar char="♦"/>
+              <a:tabLst/>
+              <a:defRPr sz="1500" kern="1200">
+                <a:solidFill>
+                  <a:schemeClr val="tx1"/>
+                </a:solidFill>
+                <a:latin typeface="+mn-lt"/>
+                <a:ea typeface="+mn-ea"/>
+                <a:cs typeface="+mn-cs"/>
+              </a:defRPr>
+            </a:lvl3pPr>
+            <a:lvl4pPr marL="685800" indent="-173038" algn="l" defTabSz="685800" rtl="0" eaLnBrk="1" fontAlgn="base" hangingPunct="1">
+              <a:lnSpc>
+                <a:spcPct val="100000"/>
+              </a:lnSpc>
+              <a:spcBef>
+                <a:spcPts val="375"/>
+              </a:spcBef>
+              <a:spcAft>
+                <a:spcPct val="0"/>
+              </a:spcAft>
+              <a:buFont typeface="Arial" panose="020B0604020202020204" pitchFamily="34" charset="0"/>
+              <a:buChar char="»"/>
+              <a:tabLst/>
+              <a:defRPr sz="1300" kern="1200">
+                <a:solidFill>
+                  <a:schemeClr val="tx1"/>
+                </a:solidFill>
+                <a:latin typeface="+mn-lt"/>
+                <a:ea typeface="+mn-ea"/>
+                <a:cs typeface="+mn-cs"/>
+              </a:defRPr>
+            </a:lvl4pPr>
+            <a:lvl5pPr marL="858838" indent="-173038" algn="l" defTabSz="685800" rtl="0" eaLnBrk="1" fontAlgn="base" hangingPunct="1">
+              <a:lnSpc>
+                <a:spcPct val="90000"/>
+              </a:lnSpc>
+              <a:spcBef>
+                <a:spcPts val="375"/>
+              </a:spcBef>
+              <a:spcAft>
+                <a:spcPct val="0"/>
+              </a:spcAft>
+              <a:buFont typeface="Arial" panose="020B0604020202020204" pitchFamily="34" charset="0"/>
+              <a:buChar char="○"/>
+              <a:defRPr sz="1300" kern="1200">
+                <a:solidFill>
+                  <a:schemeClr val="tx1"/>
+                </a:solidFill>
+                <a:latin typeface="+mn-lt"/>
+                <a:ea typeface="+mn-ea"/>
+                <a:cs typeface="+mn-cs"/>
+              </a:defRPr>
+            </a:lvl5pPr>
+            <a:lvl6pPr marL="1885950" indent="-171450" algn="l" defTabSz="685800" rtl="0" eaLnBrk="1" latinLnBrk="0" hangingPunct="1">
+              <a:lnSpc>
+                <a:spcPct val="90000"/>
+              </a:lnSpc>
+              <a:spcBef>
+                <a:spcPts val="375"/>
+              </a:spcBef>
+              <a:buFont typeface="Arial" panose="020B0604020202020204" pitchFamily="34" charset="0"/>
+              <a:buChar char="•"/>
+              <a:defRPr sz="1350" kern="1200">
+                <a:solidFill>
+                  <a:schemeClr val="tx1"/>
+                </a:solidFill>
+                <a:latin typeface="+mn-lt"/>
+                <a:ea typeface="+mn-ea"/>
+                <a:cs typeface="+mn-cs"/>
+              </a:defRPr>
+            </a:lvl6pPr>
+            <a:lvl7pPr marL="2228850" indent="-171450" algn="l" defTabSz="685800" rtl="0" eaLnBrk="1" latinLnBrk="0" hangingPunct="1">
+              <a:lnSpc>
+                <a:spcPct val="90000"/>
+              </a:lnSpc>
+              <a:spcBef>
+                <a:spcPts val="375"/>
+              </a:spcBef>
+              <a:buFont typeface="Arial" panose="020B0604020202020204" pitchFamily="34" charset="0"/>
+              <a:buChar char="•"/>
+              <a:defRPr sz="1350" kern="1200">
+                <a:solidFill>
+                  <a:schemeClr val="tx1"/>
+                </a:solidFill>
+                <a:latin typeface="+mn-lt"/>
+                <a:ea typeface="+mn-ea"/>
+                <a:cs typeface="+mn-cs"/>
+              </a:defRPr>
+            </a:lvl7pPr>
+            <a:lvl8pPr marL="2571750" indent="-171450" algn="l" defTabSz="685800" rtl="0" eaLnBrk="1" latinLnBrk="0" hangingPunct="1">
+              <a:lnSpc>
+                <a:spcPct val="90000"/>
+              </a:lnSpc>
+              <a:spcBef>
+                <a:spcPts val="375"/>
+              </a:spcBef>
+              <a:buFont typeface="Arial" panose="020B0604020202020204" pitchFamily="34" charset="0"/>
+              <a:buChar char="•"/>
+              <a:defRPr sz="1350" kern="1200">
+                <a:solidFill>
+                  <a:schemeClr val="tx1"/>
+                </a:solidFill>
+                <a:latin typeface="+mn-lt"/>
+                <a:ea typeface="+mn-ea"/>
+                <a:cs typeface="+mn-cs"/>
+              </a:defRPr>
+            </a:lvl8pPr>
+            <a:lvl9pPr marL="2914650" indent="-171450" algn="l" defTabSz="685800" rtl="0" eaLnBrk="1" latinLnBrk="0" hangingPunct="1">
+              <a:lnSpc>
+                <a:spcPct val="90000"/>
+              </a:lnSpc>
+              <a:spcBef>
+                <a:spcPts val="375"/>
+              </a:spcBef>
+              <a:buFont typeface="Arial" panose="020B0604020202020204" pitchFamily="34" charset="0"/>
+              <a:buChar char="•"/>
+              <a:defRPr sz="1350" kern="1200">
+                <a:solidFill>
+                  <a:schemeClr val="tx1"/>
+                </a:solidFill>
+                <a:latin typeface="+mn-lt"/>
+                <a:ea typeface="+mn-ea"/>
+                <a:cs typeface="+mn-cs"/>
+              </a:defRPr>
+            </a:lvl9pPr>
+          </a:lstStyle>
+          <a:p>
+            <a:pPr marL="0" indent="0" algn="ctr">
+              <a:buNone/>
+            </a:pPr>
+            <a:r>
+              <a:rPr lang="en-US" b="1" dirty="0"/>
+              <a:t>Your picture here. </a:t>
+            </a:r>
+            <a:endParaRPr lang="en-US" sz="1600" b="1" dirty="0"/>
+          </a:p>
+          <a:p>
+            <a:pPr marL="0" indent="0" algn="ctr">
+              <a:buNone/>
+            </a:pPr>
+            <a:r>
+              <a:rPr lang="en-US" sz="1600" b="1" dirty="0"/>
+              <a:t>(optional)</a:t>
+            </a:r>
+            <a:endParaRPr lang="en-US" b="1" dirty="0"/>
+          </a:p>
+        </p:txBody>
+      </p:sp>
+      <p:pic>
+        <p:nvPicPr>
+          <p:cNvPr id="7" name="Picture 6" descr="A person wearing glasses and a suit&#10;&#10;Description automatically generated">
+            <a:extLst>
+              <a:ext uri="{FF2B5EF4-FFF2-40B4-BE49-F238E27FC236}">
+                <a16:creationId xmlns:a16="http://schemas.microsoft.com/office/drawing/2014/main" id="{0E4619D0-B038-D95F-8309-E3BB5EFAA2BA}"/>
+              </a:ext>
+            </a:extLst>
+          </p:cNvPr>
+          <p:cNvPicPr>
+            <a:picLocks noChangeAspect="1"/>
+          </p:cNvPicPr>
+          <p:nvPr/>
+        </p:nvPicPr>
+        <p:blipFill>
+          <a:blip r:embed="rId3"/>
+          <a:stretch>
+            <a:fillRect/>
+          </a:stretch>
+        </p:blipFill>
+        <p:spPr>
+          <a:xfrm>
+            <a:off x="4114800" y="2160350"/>
+            <a:ext cx="1371600" cy="1714500"/>
+          </a:xfrm>
+          <a:prstGeom prst="rect">
+            <a:avLst/>
+          </a:prstGeom>
         </p:spPr>
       </p:pic>
     </p:spTree>

--- a/templates/PhysiCell_ws_intro_template.pptx
+++ b/templates/PhysiCell_ws_intro_template.pptx
@@ -3379,7 +3379,7 @@
               </a14:hiddenLine>
             </a:ext>
             <a:ext uri="{FAA26D3D-D897-4be2-8F04-BA451C77F1D7}">
-              <ma14:placeholderFlag xmlns="" xmlns:ma14="http://schemas.microsoft.com/office/mac/drawingml/2011/main" val="1"/>
+              <ma14:placeholderFlag xmlns:ma14="http://schemas.microsoft.com/office/mac/drawingml/2011/main" xmlns="" val="1"/>
             </a:ext>
           </a:extLst>
         </p:spPr>

--- a/templates/PhysiCell_ws_intro_template.pptx
+++ b/templates/PhysiCell_ws_intro_template.pptx
@@ -4097,10 +4097,10 @@
       </p:sp>
       <p:sp>
         <p:nvSpPr>
-          <p:cNvPr id="3" name="Content Placeholder 5">
+          <p:cNvPr id="2" name="Content Placeholder 5">
             <a:extLst>
               <a:ext uri="{FF2B5EF4-FFF2-40B4-BE49-F238E27FC236}">
-                <a16:creationId xmlns:a16="http://schemas.microsoft.com/office/drawing/2014/main" id="{C12A760F-7C3D-C6B7-A313-B56AC650E70F}"/>
+                <a16:creationId xmlns:a16="http://schemas.microsoft.com/office/drawing/2014/main" id="{DA46D33A-A43E-24A4-8267-FC67F5930726}"/>
               </a:ext>
             </a:extLst>
           </p:cNvPr>
@@ -4111,7 +4111,7 @@
         </p:nvSpPr>
         <p:spPr>
           <a:xfrm>
-            <a:off x="4114800" y="2160351"/>
+            <a:off x="7772400" y="0"/>
             <a:ext cx="1371600" cy="1714500"/>
           </a:xfrm>
           <a:prstGeom prst="rect">
@@ -4314,7 +4314,7 @@
             </a:pPr>
             <a:r>
               <a:rPr lang="en-US" b="1" dirty="0"/>
-              <a:t>Your picture here</a:t>
+              <a:t>Your picture here. </a:t>
             </a:r>
             <a:endParaRPr lang="en-US" sz="1600" b="1" dirty="0"/>
           </a:p>
@@ -4743,7 +4743,7 @@
         </p:blipFill>
         <p:spPr>
           <a:xfrm>
-            <a:off x="5486400" y="1234281"/>
+            <a:off x="5486400" y="1737361"/>
             <a:ext cx="3657600" cy="2743200"/>
           </a:xfrm>
         </p:spPr>
@@ -4764,7 +4764,7 @@
         </p:nvSpPr>
         <p:spPr>
           <a:xfrm>
-            <a:off x="4114800" y="2160351"/>
+            <a:off x="7772400" y="0"/>
             <a:ext cx="1371600" cy="1714500"/>
           </a:xfrm>
           <a:prstGeom prst="rect">
@@ -5005,7 +5005,7 @@
         </p:blipFill>
         <p:spPr>
           <a:xfrm>
-            <a:off x="4114800" y="2160350"/>
+            <a:off x="7772400" y="0"/>
             <a:ext cx="1371600" cy="1714500"/>
           </a:xfrm>
           <a:prstGeom prst="rect">
